--- a/golang/go001.pptx
+++ b/golang/go001.pptx
@@ -204,7 +204,7 @@
           <a:p>
             <a:fld id="{63F136E3-80C6-A842-B275-74FC7A4265FC}" type="datetimeFigureOut">
               <a:rPr kumimoji="1" lang="zh-CN" altLang="en-US" smtClean="0"/>
-              <a:t>2019/6/9</a:t>
+              <a:t>2019/6/10</a:t>
             </a:fld>
             <a:endParaRPr kumimoji="1" lang="zh-CN" altLang="en-US"/>
           </a:p>
@@ -701,15 +701,35 @@
             </a:r>
             <a:r>
               <a:rPr kumimoji="1" lang="zh-CN" altLang="en-US" dirty="0" smtClean="0"/>
-              <a:t>云端的操作系统的这些项目的火爆，带动了整个云原生生态的兴起，而此后围绕着它们的周边，</a:t>
+              <a:t>云端的</a:t>
+            </a:r>
+            <a:r>
+              <a:rPr kumimoji="1" lang="zh-CN" altLang="en-US" dirty="0" smtClean="0"/>
+              <a:t>操作系统</a:t>
+            </a:r>
+            <a:r>
+              <a:rPr kumimoji="1" lang="en-US" altLang="zh-CN" dirty="0" smtClean="0"/>
+              <a:t>k8s,</a:t>
+            </a:r>
+            <a:r>
+              <a:rPr kumimoji="1" lang="zh-CN" altLang="en-US" dirty="0" smtClean="0"/>
+              <a:t>这些</a:t>
+            </a:r>
+            <a:r>
+              <a:rPr kumimoji="1" lang="zh-CN" altLang="en-US" dirty="0" smtClean="0"/>
+              <a:t>项目的火爆，带动了整个云原生生态的兴起，而此后围绕着它们的周边，</a:t>
             </a:r>
             <a:r>
               <a:rPr kumimoji="1" lang="en-US" altLang="zh-CN" dirty="0" err="1" smtClean="0"/>
               <a:t>etcd,consul,prometheus</a:t>
             </a:r>
             <a:r>
-              <a:rPr kumimoji="1" lang="en-US" altLang="zh-CN" dirty="0" smtClean="0"/>
-              <a:t>, k8s,service</a:t>
+              <a:rPr kumimoji="1" lang="en-US" altLang="zh-CN" smtClean="0"/>
+              <a:t>, </a:t>
+            </a:r>
+            <a:r>
+              <a:rPr kumimoji="1" lang="en-US" altLang="zh-CN" smtClean="0"/>
+              <a:t>service</a:t>
             </a:r>
             <a:r>
               <a:rPr kumimoji="1" lang="zh-CN" altLang="en-US" dirty="0" smtClean="0"/>
@@ -1404,7 +1424,7 @@
           <a:effectLst/>
           <a:extLst>
             <a:ext uri="{91240B29-F687-4f45-9708-019B960494DF}">
-              <a14:hiddenLine xmlns:a14="http://schemas.microsoft.com/office/drawing/2010/main" xmlns="" w="9525">
+              <a14:hiddenLine xmlns="" xmlns:a14="http://schemas.microsoft.com/office/drawing/2010/main" w="9525">
                 <a:solidFill>
                   <a:srgbClr val="000000"/>
                 </a:solidFill>
@@ -1597,7 +1617,7 @@
             <a:fld id="{08B9EBBA-996F-894A-B54A-D6246ED52CEA}" type="datetimeFigureOut">
               <a:rPr lang="en-US" dirty="0"/>
               <a:pPr/>
-              <a:t>6/9/19</a:t>
+              <a:t>6/10/19</a:t>
             </a:fld>
             <a:endParaRPr lang="en-US" dirty="0"/>
           </a:p>
@@ -1912,7 +1932,7 @@
             <a:fld id="{18C79C5D-2A6F-F04D-97DA-BEF2467B64E4}" type="datetimeFigureOut">
               <a:rPr lang="en-US" dirty="0"/>
               <a:pPr/>
-              <a:t>6/9/19</a:t>
+              <a:t>6/10/19</a:t>
             </a:fld>
             <a:endParaRPr lang="en-US" dirty="0"/>
           </a:p>
@@ -2397,7 +2417,7 @@
             <a:fld id="{8DFA1846-DA80-1C48-A609-854EA85C59AD}" type="datetimeFigureOut">
               <a:rPr lang="en-US" dirty="0"/>
               <a:pPr/>
-              <a:t>6/9/19</a:t>
+              <a:t>6/10/19</a:t>
             </a:fld>
             <a:endParaRPr lang="en-US" dirty="0"/>
           </a:p>
@@ -2763,7 +2783,7 @@
             <a:fld id="{FBF54567-0DE4-3F47-BF90-CB84690072F9}" type="datetimeFigureOut">
               <a:rPr lang="en-US" dirty="0"/>
               <a:pPr/>
-              <a:t>6/9/19</a:t>
+              <a:t>6/10/19</a:t>
             </a:fld>
             <a:endParaRPr lang="en-US" dirty="0"/>
           </a:p>
@@ -2914,7 +2934,7 @@
           <a:ln/>
           <a:extLst>
             <a:ext uri="{91240B29-F687-4f45-9708-019B960494DF}">
-              <a14:hiddenLine xmlns:a14="http://schemas.microsoft.com/office/drawing/2010/main" xmlns="" w="9525">
+              <a14:hiddenLine xmlns="" xmlns:a14="http://schemas.microsoft.com/office/drawing/2010/main" w="9525">
                 <a:solidFill>
                   <a:srgbClr val="000000"/>
                 </a:solidFill>
@@ -3033,7 +3053,7 @@
             <a:fld id="{C6C52C72-DE31-F449-A4ED-4C594FD91407}" type="datetimeFigureOut">
               <a:rPr lang="en-US" dirty="0"/>
               <a:pPr/>
-              <a:t>6/9/19</a:t>
+              <a:t>6/10/19</a:t>
             </a:fld>
             <a:endParaRPr lang="en-US" dirty="0"/>
           </a:p>
@@ -3186,7 +3206,7 @@
           <a:ln/>
           <a:extLst>
             <a:ext uri="{91240B29-F687-4f45-9708-019B960494DF}">
-              <a14:hiddenLine xmlns:a14="http://schemas.microsoft.com/office/drawing/2010/main" xmlns="" w="9525">
+              <a14:hiddenLine xmlns="" xmlns:a14="http://schemas.microsoft.com/office/drawing/2010/main" w="9525">
                 <a:solidFill>
                   <a:srgbClr val="000000"/>
                 </a:solidFill>
@@ -3315,7 +3335,7 @@
             <a:fld id="{ED62726E-379B-B349-9EED-81ED093FA806}" type="datetimeFigureOut">
               <a:rPr lang="en-US" dirty="0"/>
               <a:pPr/>
-              <a:t>6/9/19</a:t>
+              <a:t>6/10/19</a:t>
             </a:fld>
             <a:endParaRPr lang="en-US" dirty="0"/>
           </a:p>
@@ -3466,7 +3486,7 @@
           <a:ln/>
           <a:extLst>
             <a:ext uri="{91240B29-F687-4f45-9708-019B960494DF}">
-              <a14:hiddenLine xmlns:a14="http://schemas.microsoft.com/office/drawing/2010/main" xmlns="" w="9525">
+              <a14:hiddenLine xmlns="" xmlns:a14="http://schemas.microsoft.com/office/drawing/2010/main" w="9525">
                 <a:solidFill>
                   <a:srgbClr val="000000"/>
                 </a:solidFill>
@@ -3595,7 +3615,7 @@
             <a:fld id="{9B3A1323-8D79-1946-B0D7-40001CF92E9D}" type="datetimeFigureOut">
               <a:rPr lang="en-US" dirty="0"/>
               <a:pPr/>
-              <a:t>6/9/19</a:t>
+              <a:t>6/10/19</a:t>
             </a:fld>
             <a:endParaRPr lang="en-US" dirty="0"/>
           </a:p>
@@ -3935,7 +3955,7 @@
             <a:fld id="{8DFA1846-DA80-1C48-A609-854EA85C59AD}" type="datetimeFigureOut">
               <a:rPr lang="en-US" dirty="0"/>
               <a:pPr/>
-              <a:t>6/9/19</a:t>
+              <a:t>6/10/19</a:t>
             </a:fld>
             <a:endParaRPr lang="en-US" dirty="0"/>
           </a:p>
@@ -4086,7 +4106,7 @@
           <a:ln/>
           <a:extLst>
             <a:ext uri="{91240B29-F687-4f45-9708-019B960494DF}">
-              <a14:hiddenLine xmlns:a14="http://schemas.microsoft.com/office/drawing/2010/main" xmlns="" w="9525">
+              <a14:hiddenLine xmlns="" xmlns:a14="http://schemas.microsoft.com/office/drawing/2010/main" w="9525">
                 <a:solidFill>
                   <a:srgbClr val="000000"/>
                 </a:solidFill>
@@ -4271,7 +4291,7 @@
             <a:fld id="{57302355-E14B-8545-A8F8-0FE83CC9D524}" type="datetimeFigureOut">
               <a:rPr lang="en-US" dirty="0"/>
               <a:pPr/>
-              <a:t>6/9/19</a:t>
+              <a:t>6/10/19</a:t>
             </a:fld>
             <a:endParaRPr lang="en-US" dirty="0"/>
           </a:p>
@@ -4422,7 +4442,7 @@
           <a:ln/>
           <a:extLst>
             <a:ext uri="{91240B29-F687-4f45-9708-019B960494DF}">
-              <a14:hiddenLine xmlns:a14="http://schemas.microsoft.com/office/drawing/2010/main" xmlns="" w="9525">
+              <a14:hiddenLine xmlns="" xmlns:a14="http://schemas.microsoft.com/office/drawing/2010/main" w="9525">
                 <a:solidFill>
                   <a:srgbClr val="000000"/>
                 </a:solidFill>
@@ -4745,7 +4765,7 @@
             <a:fld id="{02640F58-564D-2B4F-AE67-E407BA4FCF45}" type="datetimeFigureOut">
               <a:rPr lang="en-US" dirty="0"/>
               <a:pPr/>
-              <a:t>6/9/19</a:t>
+              <a:t>6/10/19</a:t>
             </a:fld>
             <a:endParaRPr lang="en-US" dirty="0"/>
           </a:p>
@@ -4896,7 +4916,7 @@
           <a:ln/>
           <a:extLst>
             <a:ext uri="{91240B29-F687-4f45-9708-019B960494DF}">
-              <a14:hiddenLine xmlns:a14="http://schemas.microsoft.com/office/drawing/2010/main" xmlns="" w="9525">
+              <a14:hiddenLine xmlns="" xmlns:a14="http://schemas.microsoft.com/office/drawing/2010/main" w="9525">
                 <a:solidFill>
                   <a:srgbClr val="000000"/>
                 </a:solidFill>
@@ -4963,7 +4983,7 @@
             <a:fld id="{F13A34C8-038E-2045-AF43-DF7DBB8E0E9E}" type="datetimeFigureOut">
               <a:rPr lang="en-US" dirty="0"/>
               <a:pPr/>
-              <a:t>6/9/19</a:t>
+              <a:t>6/10/19</a:t>
             </a:fld>
             <a:endParaRPr lang="en-US" dirty="0"/>
           </a:p>
@@ -5055,7 +5075,7 @@
             <a:fld id="{8818C68F-D26B-8F47-958C-23B49CF8A634}" type="datetimeFigureOut">
               <a:rPr lang="en-US" dirty="0"/>
               <a:pPr/>
-              <a:t>6/9/19</a:t>
+              <a:t>6/10/19</a:t>
             </a:fld>
             <a:endParaRPr lang="en-US" dirty="0"/>
           </a:p>
@@ -5319,7 +5339,7 @@
           <a:ln/>
           <a:extLst>
             <a:ext uri="{91240B29-F687-4f45-9708-019B960494DF}">
-              <a14:hiddenLine xmlns:a14="http://schemas.microsoft.com/office/drawing/2010/main" xmlns="" w="9525">
+              <a14:hiddenLine xmlns="" xmlns:a14="http://schemas.microsoft.com/office/drawing/2010/main" w="9525">
                 <a:solidFill>
                   <a:srgbClr val="000000"/>
                 </a:solidFill>
@@ -5519,7 +5539,7 @@
             <a:fld id="{D0DF5E60-9974-AC48-9591-99C2BB44B7CF}" type="datetimeFigureOut">
               <a:rPr lang="en-US" dirty="0"/>
               <a:pPr/>
-              <a:t>6/9/19</a:t>
+              <a:t>6/10/19</a:t>
             </a:fld>
             <a:endParaRPr lang="en-US" dirty="0"/>
           </a:p>
@@ -5829,7 +5849,7 @@
             <a:fld id="{18C79C5D-2A6F-F04D-97DA-BEF2467B64E4}" type="datetimeFigureOut">
               <a:rPr lang="en-US" dirty="0"/>
               <a:pPr/>
-              <a:t>6/9/19</a:t>
+              <a:t>6/10/19</a:t>
             </a:fld>
             <a:endParaRPr lang="en-US" dirty="0"/>
           </a:p>
@@ -6096,7 +6116,7 @@
             <a:fld id="{09B482E8-6E0E-1B4F-B1FD-C69DB9E858D9}" type="datetimeFigureOut">
               <a:rPr lang="en-US" dirty="0"/>
               <a:pPr/>
-              <a:t>6/9/19</a:t>
+              <a:t>6/10/19</a:t>
             </a:fld>
             <a:endParaRPr lang="en-US" dirty="0"/>
           </a:p>
